--- a/LTI_ASPNET_MVC/PPT/WebAPI [Autosaved].pptx
+++ b/LTI_ASPNET_MVC/PPT/WebAPI [Autosaved].pptx
@@ -111,7 +111,7 @@
   </p:defaultTextStyle>
   <p:extLst>
     <p:ext uri="{EFAFB233-063F-42B5-8137-9DF3F51BA10A}">
-      <p15:sldGuideLst xmlns:p15="http://schemas.microsoft.com/office/powerpoint/2012/main"/>
+      <p15:sldGuideLst xmlns:p15="http://schemas.microsoft.com/office/powerpoint/2012/main" xmlns=""/>
     </p:ext>
   </p:extLst>
 </p:presentation>
@@ -139,7 +139,7 @@
           <p:cNvPr id="2" name="Title 1">
             <a:extLst>
               <a:ext uri="{FF2B5EF4-FFF2-40B4-BE49-F238E27FC236}">
-                <a16:creationId xmlns:a16="http://schemas.microsoft.com/office/drawing/2014/main" id="{F8FB1072-85B8-B4F2-DD9D-B4F652E42216}"/>
+                <a16:creationId xmlns:a16="http://schemas.microsoft.com/office/drawing/2014/main" xmlns="" id="{F8FB1072-85B8-B4F2-DD9D-B4F652E42216}"/>
               </a:ext>
             </a:extLst>
           </p:cNvPr>
@@ -177,7 +177,7 @@
           <p:cNvPr id="3" name="Subtitle 2">
             <a:extLst>
               <a:ext uri="{FF2B5EF4-FFF2-40B4-BE49-F238E27FC236}">
-                <a16:creationId xmlns:a16="http://schemas.microsoft.com/office/drawing/2014/main" id="{D7247746-F3EF-D991-5DF2-649B2EA25B7B}"/>
+                <a16:creationId xmlns:a16="http://schemas.microsoft.com/office/drawing/2014/main" xmlns="" id="{D7247746-F3EF-D991-5DF2-649B2EA25B7B}"/>
               </a:ext>
             </a:extLst>
           </p:cNvPr>
@@ -248,7 +248,7 @@
           <p:cNvPr id="4" name="Date Placeholder 3">
             <a:extLst>
               <a:ext uri="{FF2B5EF4-FFF2-40B4-BE49-F238E27FC236}">
-                <a16:creationId xmlns:a16="http://schemas.microsoft.com/office/drawing/2014/main" id="{17418922-8323-4166-21ED-528547D763C1}"/>
+                <a16:creationId xmlns:a16="http://schemas.microsoft.com/office/drawing/2014/main" xmlns="" id="{17418922-8323-4166-21ED-528547D763C1}"/>
               </a:ext>
             </a:extLst>
           </p:cNvPr>
@@ -266,7 +266,8 @@
           <a:p>
             <a:fld id="{A5A186E3-DA41-41F9-93AB-101C8B8ADF69}" type="datetimeFigureOut">
               <a:rPr lang="en-IN" smtClean="0"/>
-              <a:t>29/09/2022</a:t>
+              <a:pPr/>
+              <a:t>10/09/2023</a:t>
             </a:fld>
             <a:endParaRPr lang="en-IN"/>
           </a:p>
@@ -277,7 +278,7 @@
           <p:cNvPr id="5" name="Footer Placeholder 4">
             <a:extLst>
               <a:ext uri="{FF2B5EF4-FFF2-40B4-BE49-F238E27FC236}">
-                <a16:creationId xmlns:a16="http://schemas.microsoft.com/office/drawing/2014/main" id="{656C79E0-51D7-9CA6-D3BF-7BCA5BF1B618}"/>
+                <a16:creationId xmlns:a16="http://schemas.microsoft.com/office/drawing/2014/main" xmlns="" id="{656C79E0-51D7-9CA6-D3BF-7BCA5BF1B618}"/>
               </a:ext>
             </a:extLst>
           </p:cNvPr>
@@ -302,7 +303,7 @@
           <p:cNvPr id="6" name="Slide Number Placeholder 5">
             <a:extLst>
               <a:ext uri="{FF2B5EF4-FFF2-40B4-BE49-F238E27FC236}">
-                <a16:creationId xmlns:a16="http://schemas.microsoft.com/office/drawing/2014/main" id="{170E822A-6728-EBC6-3736-BD1F32350AF1}"/>
+                <a16:creationId xmlns:a16="http://schemas.microsoft.com/office/drawing/2014/main" xmlns="" id="{170E822A-6728-EBC6-3736-BD1F32350AF1}"/>
               </a:ext>
             </a:extLst>
           </p:cNvPr>
@@ -320,6 +321,7 @@
           <a:p>
             <a:fld id="{D5430316-3ACA-4B28-984D-A71A3432B0D6}" type="slidenum">
               <a:rPr lang="en-IN" smtClean="0"/>
+              <a:pPr/>
               <a:t>‹#›</a:t>
             </a:fld>
             <a:endParaRPr lang="en-IN"/>
@@ -329,7 +331,7 @@
     </p:spTree>
     <p:extLst>
       <p:ext uri="{BB962C8B-B14F-4D97-AF65-F5344CB8AC3E}">
-        <p14:creationId xmlns:p14="http://schemas.microsoft.com/office/powerpoint/2010/main" val="4280623437"/>
+        <p14:creationId xmlns:p14="http://schemas.microsoft.com/office/powerpoint/2010/main" xmlns="" val="4280623437"/>
       </p:ext>
     </p:extLst>
   </p:cSld>
@@ -361,7 +363,7 @@
           <p:cNvPr id="2" name="Title 1">
             <a:extLst>
               <a:ext uri="{FF2B5EF4-FFF2-40B4-BE49-F238E27FC236}">
-                <a16:creationId xmlns:a16="http://schemas.microsoft.com/office/drawing/2014/main" id="{EE9E69E4-AE95-ACAC-4C60-8170692E8FD9}"/>
+                <a16:creationId xmlns:a16="http://schemas.microsoft.com/office/drawing/2014/main" xmlns="" id="{EE9E69E4-AE95-ACAC-4C60-8170692E8FD9}"/>
               </a:ext>
             </a:extLst>
           </p:cNvPr>
@@ -390,7 +392,7 @@
           <p:cNvPr id="3" name="Vertical Text Placeholder 2">
             <a:extLst>
               <a:ext uri="{FF2B5EF4-FFF2-40B4-BE49-F238E27FC236}">
-                <a16:creationId xmlns:a16="http://schemas.microsoft.com/office/drawing/2014/main" id="{A9586342-B8F1-0D3D-DB08-2D112121F3BB}"/>
+                <a16:creationId xmlns:a16="http://schemas.microsoft.com/office/drawing/2014/main" xmlns="" id="{A9586342-B8F1-0D3D-DB08-2D112121F3BB}"/>
               </a:ext>
             </a:extLst>
           </p:cNvPr>
@@ -448,7 +450,7 @@
           <p:cNvPr id="4" name="Date Placeholder 3">
             <a:extLst>
               <a:ext uri="{FF2B5EF4-FFF2-40B4-BE49-F238E27FC236}">
-                <a16:creationId xmlns:a16="http://schemas.microsoft.com/office/drawing/2014/main" id="{47DA3B1E-A0F8-A6E8-8F50-8A9A09429B44}"/>
+                <a16:creationId xmlns:a16="http://schemas.microsoft.com/office/drawing/2014/main" xmlns="" id="{47DA3B1E-A0F8-A6E8-8F50-8A9A09429B44}"/>
               </a:ext>
             </a:extLst>
           </p:cNvPr>
@@ -466,7 +468,8 @@
           <a:p>
             <a:fld id="{A5A186E3-DA41-41F9-93AB-101C8B8ADF69}" type="datetimeFigureOut">
               <a:rPr lang="en-IN" smtClean="0"/>
-              <a:t>29/09/2022</a:t>
+              <a:pPr/>
+              <a:t>10/09/2023</a:t>
             </a:fld>
             <a:endParaRPr lang="en-IN"/>
           </a:p>
@@ -477,7 +480,7 @@
           <p:cNvPr id="5" name="Footer Placeholder 4">
             <a:extLst>
               <a:ext uri="{FF2B5EF4-FFF2-40B4-BE49-F238E27FC236}">
-                <a16:creationId xmlns:a16="http://schemas.microsoft.com/office/drawing/2014/main" id="{7DF686D9-1735-1008-ED12-D08E974C5A67}"/>
+                <a16:creationId xmlns:a16="http://schemas.microsoft.com/office/drawing/2014/main" xmlns="" id="{7DF686D9-1735-1008-ED12-D08E974C5A67}"/>
               </a:ext>
             </a:extLst>
           </p:cNvPr>
@@ -502,7 +505,7 @@
           <p:cNvPr id="6" name="Slide Number Placeholder 5">
             <a:extLst>
               <a:ext uri="{FF2B5EF4-FFF2-40B4-BE49-F238E27FC236}">
-                <a16:creationId xmlns:a16="http://schemas.microsoft.com/office/drawing/2014/main" id="{397CA17C-A4B9-5070-ECA9-898EFD87156D}"/>
+                <a16:creationId xmlns:a16="http://schemas.microsoft.com/office/drawing/2014/main" xmlns="" id="{397CA17C-A4B9-5070-ECA9-898EFD87156D}"/>
               </a:ext>
             </a:extLst>
           </p:cNvPr>
@@ -520,6 +523,7 @@
           <a:p>
             <a:fld id="{D5430316-3ACA-4B28-984D-A71A3432B0D6}" type="slidenum">
               <a:rPr lang="en-IN" smtClean="0"/>
+              <a:pPr/>
               <a:t>‹#›</a:t>
             </a:fld>
             <a:endParaRPr lang="en-IN"/>
@@ -529,7 +533,7 @@
     </p:spTree>
     <p:extLst>
       <p:ext uri="{BB962C8B-B14F-4D97-AF65-F5344CB8AC3E}">
-        <p14:creationId xmlns:p14="http://schemas.microsoft.com/office/powerpoint/2010/main" val="666641835"/>
+        <p14:creationId xmlns:p14="http://schemas.microsoft.com/office/powerpoint/2010/main" xmlns="" val="666641835"/>
       </p:ext>
     </p:extLst>
   </p:cSld>
@@ -561,7 +565,7 @@
           <p:cNvPr id="2" name="Vertical Title 1">
             <a:extLst>
               <a:ext uri="{FF2B5EF4-FFF2-40B4-BE49-F238E27FC236}">
-                <a16:creationId xmlns:a16="http://schemas.microsoft.com/office/drawing/2014/main" id="{16C4DF60-0C85-1F48-BAC6-FA9505F2DBD7}"/>
+                <a16:creationId xmlns:a16="http://schemas.microsoft.com/office/drawing/2014/main" xmlns="" id="{16C4DF60-0C85-1F48-BAC6-FA9505F2DBD7}"/>
               </a:ext>
             </a:extLst>
           </p:cNvPr>
@@ -595,7 +599,7 @@
           <p:cNvPr id="3" name="Vertical Text Placeholder 2">
             <a:extLst>
               <a:ext uri="{FF2B5EF4-FFF2-40B4-BE49-F238E27FC236}">
-                <a16:creationId xmlns:a16="http://schemas.microsoft.com/office/drawing/2014/main" id="{A5720E86-9663-81DA-6BE8-8CC04823A4C7}"/>
+                <a16:creationId xmlns:a16="http://schemas.microsoft.com/office/drawing/2014/main" xmlns="" id="{A5720E86-9663-81DA-6BE8-8CC04823A4C7}"/>
               </a:ext>
             </a:extLst>
           </p:cNvPr>
@@ -658,7 +662,7 @@
           <p:cNvPr id="4" name="Date Placeholder 3">
             <a:extLst>
               <a:ext uri="{FF2B5EF4-FFF2-40B4-BE49-F238E27FC236}">
-                <a16:creationId xmlns:a16="http://schemas.microsoft.com/office/drawing/2014/main" id="{8418E00B-A8C8-D035-5427-44F8639F47C1}"/>
+                <a16:creationId xmlns:a16="http://schemas.microsoft.com/office/drawing/2014/main" xmlns="" id="{8418E00B-A8C8-D035-5427-44F8639F47C1}"/>
               </a:ext>
             </a:extLst>
           </p:cNvPr>
@@ -676,7 +680,8 @@
           <a:p>
             <a:fld id="{A5A186E3-DA41-41F9-93AB-101C8B8ADF69}" type="datetimeFigureOut">
               <a:rPr lang="en-IN" smtClean="0"/>
-              <a:t>29/09/2022</a:t>
+              <a:pPr/>
+              <a:t>10/09/2023</a:t>
             </a:fld>
             <a:endParaRPr lang="en-IN"/>
           </a:p>
@@ -687,7 +692,7 @@
           <p:cNvPr id="5" name="Footer Placeholder 4">
             <a:extLst>
               <a:ext uri="{FF2B5EF4-FFF2-40B4-BE49-F238E27FC236}">
-                <a16:creationId xmlns:a16="http://schemas.microsoft.com/office/drawing/2014/main" id="{BDFB583F-15B5-2699-CFB4-A090FF03B85D}"/>
+                <a16:creationId xmlns:a16="http://schemas.microsoft.com/office/drawing/2014/main" xmlns="" id="{BDFB583F-15B5-2699-CFB4-A090FF03B85D}"/>
               </a:ext>
             </a:extLst>
           </p:cNvPr>
@@ -712,7 +717,7 @@
           <p:cNvPr id="6" name="Slide Number Placeholder 5">
             <a:extLst>
               <a:ext uri="{FF2B5EF4-FFF2-40B4-BE49-F238E27FC236}">
-                <a16:creationId xmlns:a16="http://schemas.microsoft.com/office/drawing/2014/main" id="{03FF7240-0B47-482F-2286-FCA44C86160C}"/>
+                <a16:creationId xmlns:a16="http://schemas.microsoft.com/office/drawing/2014/main" xmlns="" id="{03FF7240-0B47-482F-2286-FCA44C86160C}"/>
               </a:ext>
             </a:extLst>
           </p:cNvPr>
@@ -730,6 +735,7 @@
           <a:p>
             <a:fld id="{D5430316-3ACA-4B28-984D-A71A3432B0D6}" type="slidenum">
               <a:rPr lang="en-IN" smtClean="0"/>
+              <a:pPr/>
               <a:t>‹#›</a:t>
             </a:fld>
             <a:endParaRPr lang="en-IN"/>
@@ -739,7 +745,7 @@
     </p:spTree>
     <p:extLst>
       <p:ext uri="{BB962C8B-B14F-4D97-AF65-F5344CB8AC3E}">
-        <p14:creationId xmlns:p14="http://schemas.microsoft.com/office/powerpoint/2010/main" val="1805981245"/>
+        <p14:creationId xmlns:p14="http://schemas.microsoft.com/office/powerpoint/2010/main" xmlns="" val="1805981245"/>
       </p:ext>
     </p:extLst>
   </p:cSld>
@@ -771,7 +777,7 @@
           <p:cNvPr id="2" name="Title 1">
             <a:extLst>
               <a:ext uri="{FF2B5EF4-FFF2-40B4-BE49-F238E27FC236}">
-                <a16:creationId xmlns:a16="http://schemas.microsoft.com/office/drawing/2014/main" id="{AFE5EB93-37D3-4752-E587-D785CC39F7DA}"/>
+                <a16:creationId xmlns:a16="http://schemas.microsoft.com/office/drawing/2014/main" xmlns="" id="{AFE5EB93-37D3-4752-E587-D785CC39F7DA}"/>
               </a:ext>
             </a:extLst>
           </p:cNvPr>
@@ -800,7 +806,7 @@
           <p:cNvPr id="3" name="Content Placeholder 2">
             <a:extLst>
               <a:ext uri="{FF2B5EF4-FFF2-40B4-BE49-F238E27FC236}">
-                <a16:creationId xmlns:a16="http://schemas.microsoft.com/office/drawing/2014/main" id="{B529CECC-E68B-21B2-CC3F-CA245ADD5CBC}"/>
+                <a16:creationId xmlns:a16="http://schemas.microsoft.com/office/drawing/2014/main" xmlns="" id="{B529CECC-E68B-21B2-CC3F-CA245ADD5CBC}"/>
               </a:ext>
             </a:extLst>
           </p:cNvPr>
@@ -858,7 +864,7 @@
           <p:cNvPr id="4" name="Date Placeholder 3">
             <a:extLst>
               <a:ext uri="{FF2B5EF4-FFF2-40B4-BE49-F238E27FC236}">
-                <a16:creationId xmlns:a16="http://schemas.microsoft.com/office/drawing/2014/main" id="{51F7B308-C6DE-3D9C-5628-B9D038875E1F}"/>
+                <a16:creationId xmlns:a16="http://schemas.microsoft.com/office/drawing/2014/main" xmlns="" id="{51F7B308-C6DE-3D9C-5628-B9D038875E1F}"/>
               </a:ext>
             </a:extLst>
           </p:cNvPr>
@@ -876,7 +882,8 @@
           <a:p>
             <a:fld id="{A5A186E3-DA41-41F9-93AB-101C8B8ADF69}" type="datetimeFigureOut">
               <a:rPr lang="en-IN" smtClean="0"/>
-              <a:t>29/09/2022</a:t>
+              <a:pPr/>
+              <a:t>10/09/2023</a:t>
             </a:fld>
             <a:endParaRPr lang="en-IN"/>
           </a:p>
@@ -887,7 +894,7 @@
           <p:cNvPr id="5" name="Footer Placeholder 4">
             <a:extLst>
               <a:ext uri="{FF2B5EF4-FFF2-40B4-BE49-F238E27FC236}">
-                <a16:creationId xmlns:a16="http://schemas.microsoft.com/office/drawing/2014/main" id="{46E8CB4C-1997-BE90-924B-DE11A696435D}"/>
+                <a16:creationId xmlns:a16="http://schemas.microsoft.com/office/drawing/2014/main" xmlns="" id="{46E8CB4C-1997-BE90-924B-DE11A696435D}"/>
               </a:ext>
             </a:extLst>
           </p:cNvPr>
@@ -912,7 +919,7 @@
           <p:cNvPr id="6" name="Slide Number Placeholder 5">
             <a:extLst>
               <a:ext uri="{FF2B5EF4-FFF2-40B4-BE49-F238E27FC236}">
-                <a16:creationId xmlns:a16="http://schemas.microsoft.com/office/drawing/2014/main" id="{08880BFA-5723-461B-ACE2-240A5F326CB2}"/>
+                <a16:creationId xmlns:a16="http://schemas.microsoft.com/office/drawing/2014/main" xmlns="" id="{08880BFA-5723-461B-ACE2-240A5F326CB2}"/>
               </a:ext>
             </a:extLst>
           </p:cNvPr>
@@ -930,6 +937,7 @@
           <a:p>
             <a:fld id="{D5430316-3ACA-4B28-984D-A71A3432B0D6}" type="slidenum">
               <a:rPr lang="en-IN" smtClean="0"/>
+              <a:pPr/>
               <a:t>‹#›</a:t>
             </a:fld>
             <a:endParaRPr lang="en-IN"/>
@@ -939,7 +947,7 @@
     </p:spTree>
     <p:extLst>
       <p:ext uri="{BB962C8B-B14F-4D97-AF65-F5344CB8AC3E}">
-        <p14:creationId xmlns:p14="http://schemas.microsoft.com/office/powerpoint/2010/main" val="3771128565"/>
+        <p14:creationId xmlns:p14="http://schemas.microsoft.com/office/powerpoint/2010/main" xmlns="" val="3771128565"/>
       </p:ext>
     </p:extLst>
   </p:cSld>
@@ -971,7 +979,7 @@
           <p:cNvPr id="2" name="Title 1">
             <a:extLst>
               <a:ext uri="{FF2B5EF4-FFF2-40B4-BE49-F238E27FC236}">
-                <a16:creationId xmlns:a16="http://schemas.microsoft.com/office/drawing/2014/main" id="{2BA5F9C2-6594-F42B-9DF9-181FE8F62CBC}"/>
+                <a16:creationId xmlns:a16="http://schemas.microsoft.com/office/drawing/2014/main" xmlns="" id="{2BA5F9C2-6594-F42B-9DF9-181FE8F62CBC}"/>
               </a:ext>
             </a:extLst>
           </p:cNvPr>
@@ -1009,7 +1017,7 @@
           <p:cNvPr id="3" name="Text Placeholder 2">
             <a:extLst>
               <a:ext uri="{FF2B5EF4-FFF2-40B4-BE49-F238E27FC236}">
-                <a16:creationId xmlns:a16="http://schemas.microsoft.com/office/drawing/2014/main" id="{1878982D-324A-DDBC-D8F4-7FDCD4E7D2C8}"/>
+                <a16:creationId xmlns:a16="http://schemas.microsoft.com/office/drawing/2014/main" xmlns="" id="{1878982D-324A-DDBC-D8F4-7FDCD4E7D2C8}"/>
               </a:ext>
             </a:extLst>
           </p:cNvPr>
@@ -1134,7 +1142,7 @@
           <p:cNvPr id="4" name="Date Placeholder 3">
             <a:extLst>
               <a:ext uri="{FF2B5EF4-FFF2-40B4-BE49-F238E27FC236}">
-                <a16:creationId xmlns:a16="http://schemas.microsoft.com/office/drawing/2014/main" id="{73BE3CA3-F016-48E5-A491-01F1CD05CF79}"/>
+                <a16:creationId xmlns:a16="http://schemas.microsoft.com/office/drawing/2014/main" xmlns="" id="{73BE3CA3-F016-48E5-A491-01F1CD05CF79}"/>
               </a:ext>
             </a:extLst>
           </p:cNvPr>
@@ -1152,7 +1160,8 @@
           <a:p>
             <a:fld id="{A5A186E3-DA41-41F9-93AB-101C8B8ADF69}" type="datetimeFigureOut">
               <a:rPr lang="en-IN" smtClean="0"/>
-              <a:t>29/09/2022</a:t>
+              <a:pPr/>
+              <a:t>10/09/2023</a:t>
             </a:fld>
             <a:endParaRPr lang="en-IN"/>
           </a:p>
@@ -1163,7 +1172,7 @@
           <p:cNvPr id="5" name="Footer Placeholder 4">
             <a:extLst>
               <a:ext uri="{FF2B5EF4-FFF2-40B4-BE49-F238E27FC236}">
-                <a16:creationId xmlns:a16="http://schemas.microsoft.com/office/drawing/2014/main" id="{EB459AC2-12AD-CB62-E85B-891170AAEBCA}"/>
+                <a16:creationId xmlns:a16="http://schemas.microsoft.com/office/drawing/2014/main" xmlns="" id="{EB459AC2-12AD-CB62-E85B-891170AAEBCA}"/>
               </a:ext>
             </a:extLst>
           </p:cNvPr>
@@ -1188,7 +1197,7 @@
           <p:cNvPr id="6" name="Slide Number Placeholder 5">
             <a:extLst>
               <a:ext uri="{FF2B5EF4-FFF2-40B4-BE49-F238E27FC236}">
-                <a16:creationId xmlns:a16="http://schemas.microsoft.com/office/drawing/2014/main" id="{EC3F64E0-370D-BEAC-7A56-859B59459676}"/>
+                <a16:creationId xmlns:a16="http://schemas.microsoft.com/office/drawing/2014/main" xmlns="" id="{EC3F64E0-370D-BEAC-7A56-859B59459676}"/>
               </a:ext>
             </a:extLst>
           </p:cNvPr>
@@ -1206,6 +1215,7 @@
           <a:p>
             <a:fld id="{D5430316-3ACA-4B28-984D-A71A3432B0D6}" type="slidenum">
               <a:rPr lang="en-IN" smtClean="0"/>
+              <a:pPr/>
               <a:t>‹#›</a:t>
             </a:fld>
             <a:endParaRPr lang="en-IN"/>
@@ -1215,7 +1225,7 @@
     </p:spTree>
     <p:extLst>
       <p:ext uri="{BB962C8B-B14F-4D97-AF65-F5344CB8AC3E}">
-        <p14:creationId xmlns:p14="http://schemas.microsoft.com/office/powerpoint/2010/main" val="108818897"/>
+        <p14:creationId xmlns:p14="http://schemas.microsoft.com/office/powerpoint/2010/main" xmlns="" val="108818897"/>
       </p:ext>
     </p:extLst>
   </p:cSld>
@@ -1247,7 +1257,7 @@
           <p:cNvPr id="2" name="Title 1">
             <a:extLst>
               <a:ext uri="{FF2B5EF4-FFF2-40B4-BE49-F238E27FC236}">
-                <a16:creationId xmlns:a16="http://schemas.microsoft.com/office/drawing/2014/main" id="{0B0C41EE-50E5-D082-5E65-2C466F9BFBD2}"/>
+                <a16:creationId xmlns:a16="http://schemas.microsoft.com/office/drawing/2014/main" xmlns="" id="{0B0C41EE-50E5-D082-5E65-2C466F9BFBD2}"/>
               </a:ext>
             </a:extLst>
           </p:cNvPr>
@@ -1276,7 +1286,7 @@
           <p:cNvPr id="3" name="Content Placeholder 2">
             <a:extLst>
               <a:ext uri="{FF2B5EF4-FFF2-40B4-BE49-F238E27FC236}">
-                <a16:creationId xmlns:a16="http://schemas.microsoft.com/office/drawing/2014/main" id="{66729815-5C68-A5FB-E412-ABF6DBCBA18E}"/>
+                <a16:creationId xmlns:a16="http://schemas.microsoft.com/office/drawing/2014/main" xmlns="" id="{66729815-5C68-A5FB-E412-ABF6DBCBA18E}"/>
               </a:ext>
             </a:extLst>
           </p:cNvPr>
@@ -1339,7 +1349,7 @@
           <p:cNvPr id="4" name="Content Placeholder 3">
             <a:extLst>
               <a:ext uri="{FF2B5EF4-FFF2-40B4-BE49-F238E27FC236}">
-                <a16:creationId xmlns:a16="http://schemas.microsoft.com/office/drawing/2014/main" id="{7A4B3311-F65E-A468-6A28-1CC3D1184F27}"/>
+                <a16:creationId xmlns:a16="http://schemas.microsoft.com/office/drawing/2014/main" xmlns="" id="{7A4B3311-F65E-A468-6A28-1CC3D1184F27}"/>
               </a:ext>
             </a:extLst>
           </p:cNvPr>
@@ -1402,7 +1412,7 @@
           <p:cNvPr id="5" name="Date Placeholder 4">
             <a:extLst>
               <a:ext uri="{FF2B5EF4-FFF2-40B4-BE49-F238E27FC236}">
-                <a16:creationId xmlns:a16="http://schemas.microsoft.com/office/drawing/2014/main" id="{F16D70BB-10EC-44C2-5261-DD41BF5440E5}"/>
+                <a16:creationId xmlns:a16="http://schemas.microsoft.com/office/drawing/2014/main" xmlns="" id="{F16D70BB-10EC-44C2-5261-DD41BF5440E5}"/>
               </a:ext>
             </a:extLst>
           </p:cNvPr>
@@ -1420,7 +1430,8 @@
           <a:p>
             <a:fld id="{A5A186E3-DA41-41F9-93AB-101C8B8ADF69}" type="datetimeFigureOut">
               <a:rPr lang="en-IN" smtClean="0"/>
-              <a:t>29/09/2022</a:t>
+              <a:pPr/>
+              <a:t>10/09/2023</a:t>
             </a:fld>
             <a:endParaRPr lang="en-IN"/>
           </a:p>
@@ -1431,7 +1442,7 @@
           <p:cNvPr id="6" name="Footer Placeholder 5">
             <a:extLst>
               <a:ext uri="{FF2B5EF4-FFF2-40B4-BE49-F238E27FC236}">
-                <a16:creationId xmlns:a16="http://schemas.microsoft.com/office/drawing/2014/main" id="{2AF3AD0B-E4D8-2E39-7E58-78E8301E4F0F}"/>
+                <a16:creationId xmlns:a16="http://schemas.microsoft.com/office/drawing/2014/main" xmlns="" id="{2AF3AD0B-E4D8-2E39-7E58-78E8301E4F0F}"/>
               </a:ext>
             </a:extLst>
           </p:cNvPr>
@@ -1456,7 +1467,7 @@
           <p:cNvPr id="7" name="Slide Number Placeholder 6">
             <a:extLst>
               <a:ext uri="{FF2B5EF4-FFF2-40B4-BE49-F238E27FC236}">
-                <a16:creationId xmlns:a16="http://schemas.microsoft.com/office/drawing/2014/main" id="{7E6F3095-D31F-DFDA-1E2A-CD3C06B294C8}"/>
+                <a16:creationId xmlns:a16="http://schemas.microsoft.com/office/drawing/2014/main" xmlns="" id="{7E6F3095-D31F-DFDA-1E2A-CD3C06B294C8}"/>
               </a:ext>
             </a:extLst>
           </p:cNvPr>
@@ -1474,6 +1485,7 @@
           <a:p>
             <a:fld id="{D5430316-3ACA-4B28-984D-A71A3432B0D6}" type="slidenum">
               <a:rPr lang="en-IN" smtClean="0"/>
+              <a:pPr/>
               <a:t>‹#›</a:t>
             </a:fld>
             <a:endParaRPr lang="en-IN"/>
@@ -1483,7 +1495,7 @@
     </p:spTree>
     <p:extLst>
       <p:ext uri="{BB962C8B-B14F-4D97-AF65-F5344CB8AC3E}">
-        <p14:creationId xmlns:p14="http://schemas.microsoft.com/office/powerpoint/2010/main" val="1887110803"/>
+        <p14:creationId xmlns:p14="http://schemas.microsoft.com/office/powerpoint/2010/main" xmlns="" val="1887110803"/>
       </p:ext>
     </p:extLst>
   </p:cSld>
@@ -1515,7 +1527,7 @@
           <p:cNvPr id="2" name="Title 1">
             <a:extLst>
               <a:ext uri="{FF2B5EF4-FFF2-40B4-BE49-F238E27FC236}">
-                <a16:creationId xmlns:a16="http://schemas.microsoft.com/office/drawing/2014/main" id="{8292A922-C9BA-B0ED-139D-E9616DE99FD6}"/>
+                <a16:creationId xmlns:a16="http://schemas.microsoft.com/office/drawing/2014/main" xmlns="" id="{8292A922-C9BA-B0ED-139D-E9616DE99FD6}"/>
               </a:ext>
             </a:extLst>
           </p:cNvPr>
@@ -1549,7 +1561,7 @@
           <p:cNvPr id="3" name="Text Placeholder 2">
             <a:extLst>
               <a:ext uri="{FF2B5EF4-FFF2-40B4-BE49-F238E27FC236}">
-                <a16:creationId xmlns:a16="http://schemas.microsoft.com/office/drawing/2014/main" id="{6584983A-1C5E-2C0D-985F-F6911617E180}"/>
+                <a16:creationId xmlns:a16="http://schemas.microsoft.com/office/drawing/2014/main" xmlns="" id="{6584983A-1C5E-2C0D-985F-F6911617E180}"/>
               </a:ext>
             </a:extLst>
           </p:cNvPr>
@@ -1620,7 +1632,7 @@
           <p:cNvPr id="4" name="Content Placeholder 3">
             <a:extLst>
               <a:ext uri="{FF2B5EF4-FFF2-40B4-BE49-F238E27FC236}">
-                <a16:creationId xmlns:a16="http://schemas.microsoft.com/office/drawing/2014/main" id="{B7E6D0EC-05B9-50E3-E83D-A5030EA0DC6B}"/>
+                <a16:creationId xmlns:a16="http://schemas.microsoft.com/office/drawing/2014/main" xmlns="" id="{B7E6D0EC-05B9-50E3-E83D-A5030EA0DC6B}"/>
               </a:ext>
             </a:extLst>
           </p:cNvPr>
@@ -1683,7 +1695,7 @@
           <p:cNvPr id="5" name="Text Placeholder 4">
             <a:extLst>
               <a:ext uri="{FF2B5EF4-FFF2-40B4-BE49-F238E27FC236}">
-                <a16:creationId xmlns:a16="http://schemas.microsoft.com/office/drawing/2014/main" id="{BD1FEEC5-2C0E-B3A5-6DA1-B3A4FBDAA46E}"/>
+                <a16:creationId xmlns:a16="http://schemas.microsoft.com/office/drawing/2014/main" xmlns="" id="{BD1FEEC5-2C0E-B3A5-6DA1-B3A4FBDAA46E}"/>
               </a:ext>
             </a:extLst>
           </p:cNvPr>
@@ -1754,7 +1766,7 @@
           <p:cNvPr id="6" name="Content Placeholder 5">
             <a:extLst>
               <a:ext uri="{FF2B5EF4-FFF2-40B4-BE49-F238E27FC236}">
-                <a16:creationId xmlns:a16="http://schemas.microsoft.com/office/drawing/2014/main" id="{A73B3980-D684-3F33-F5E7-65EB48112BD5}"/>
+                <a16:creationId xmlns:a16="http://schemas.microsoft.com/office/drawing/2014/main" xmlns="" id="{A73B3980-D684-3F33-F5E7-65EB48112BD5}"/>
               </a:ext>
             </a:extLst>
           </p:cNvPr>
@@ -1817,7 +1829,7 @@
           <p:cNvPr id="7" name="Date Placeholder 6">
             <a:extLst>
               <a:ext uri="{FF2B5EF4-FFF2-40B4-BE49-F238E27FC236}">
-                <a16:creationId xmlns:a16="http://schemas.microsoft.com/office/drawing/2014/main" id="{3F95706D-874F-5C1E-B1F2-FC6ABB82FF6B}"/>
+                <a16:creationId xmlns:a16="http://schemas.microsoft.com/office/drawing/2014/main" xmlns="" id="{3F95706D-874F-5C1E-B1F2-FC6ABB82FF6B}"/>
               </a:ext>
             </a:extLst>
           </p:cNvPr>
@@ -1835,7 +1847,8 @@
           <a:p>
             <a:fld id="{A5A186E3-DA41-41F9-93AB-101C8B8ADF69}" type="datetimeFigureOut">
               <a:rPr lang="en-IN" smtClean="0"/>
-              <a:t>29/09/2022</a:t>
+              <a:pPr/>
+              <a:t>10/09/2023</a:t>
             </a:fld>
             <a:endParaRPr lang="en-IN"/>
           </a:p>
@@ -1846,7 +1859,7 @@
           <p:cNvPr id="8" name="Footer Placeholder 7">
             <a:extLst>
               <a:ext uri="{FF2B5EF4-FFF2-40B4-BE49-F238E27FC236}">
-                <a16:creationId xmlns:a16="http://schemas.microsoft.com/office/drawing/2014/main" id="{A5F2604A-8555-3677-2334-525CD35DDD10}"/>
+                <a16:creationId xmlns:a16="http://schemas.microsoft.com/office/drawing/2014/main" xmlns="" id="{A5F2604A-8555-3677-2334-525CD35DDD10}"/>
               </a:ext>
             </a:extLst>
           </p:cNvPr>
@@ -1871,7 +1884,7 @@
           <p:cNvPr id="9" name="Slide Number Placeholder 8">
             <a:extLst>
               <a:ext uri="{FF2B5EF4-FFF2-40B4-BE49-F238E27FC236}">
-                <a16:creationId xmlns:a16="http://schemas.microsoft.com/office/drawing/2014/main" id="{6E195661-A3DC-8AEB-6E73-DF4563D1620A}"/>
+                <a16:creationId xmlns:a16="http://schemas.microsoft.com/office/drawing/2014/main" xmlns="" id="{6E195661-A3DC-8AEB-6E73-DF4563D1620A}"/>
               </a:ext>
             </a:extLst>
           </p:cNvPr>
@@ -1889,6 +1902,7 @@
           <a:p>
             <a:fld id="{D5430316-3ACA-4B28-984D-A71A3432B0D6}" type="slidenum">
               <a:rPr lang="en-IN" smtClean="0"/>
+              <a:pPr/>
               <a:t>‹#›</a:t>
             </a:fld>
             <a:endParaRPr lang="en-IN"/>
@@ -1898,7 +1912,7 @@
     </p:spTree>
     <p:extLst>
       <p:ext uri="{BB962C8B-B14F-4D97-AF65-F5344CB8AC3E}">
-        <p14:creationId xmlns:p14="http://schemas.microsoft.com/office/powerpoint/2010/main" val="3066150213"/>
+        <p14:creationId xmlns:p14="http://schemas.microsoft.com/office/powerpoint/2010/main" xmlns="" val="3066150213"/>
       </p:ext>
     </p:extLst>
   </p:cSld>
@@ -1930,7 +1944,7 @@
           <p:cNvPr id="2" name="Title 1">
             <a:extLst>
               <a:ext uri="{FF2B5EF4-FFF2-40B4-BE49-F238E27FC236}">
-                <a16:creationId xmlns:a16="http://schemas.microsoft.com/office/drawing/2014/main" id="{E7FD6170-D1BA-843C-830B-1624142029A5}"/>
+                <a16:creationId xmlns:a16="http://schemas.microsoft.com/office/drawing/2014/main" xmlns="" id="{E7FD6170-D1BA-843C-830B-1624142029A5}"/>
               </a:ext>
             </a:extLst>
           </p:cNvPr>
@@ -1959,7 +1973,7 @@
           <p:cNvPr id="3" name="Date Placeholder 2">
             <a:extLst>
               <a:ext uri="{FF2B5EF4-FFF2-40B4-BE49-F238E27FC236}">
-                <a16:creationId xmlns:a16="http://schemas.microsoft.com/office/drawing/2014/main" id="{EA32A6B0-E8FC-21E0-8E94-A9FD129F4326}"/>
+                <a16:creationId xmlns:a16="http://schemas.microsoft.com/office/drawing/2014/main" xmlns="" id="{EA32A6B0-E8FC-21E0-8E94-A9FD129F4326}"/>
               </a:ext>
             </a:extLst>
           </p:cNvPr>
@@ -1977,7 +1991,8 @@
           <a:p>
             <a:fld id="{A5A186E3-DA41-41F9-93AB-101C8B8ADF69}" type="datetimeFigureOut">
               <a:rPr lang="en-IN" smtClean="0"/>
-              <a:t>29/09/2022</a:t>
+              <a:pPr/>
+              <a:t>10/09/2023</a:t>
             </a:fld>
             <a:endParaRPr lang="en-IN"/>
           </a:p>
@@ -1988,7 +2003,7 @@
           <p:cNvPr id="4" name="Footer Placeholder 3">
             <a:extLst>
               <a:ext uri="{FF2B5EF4-FFF2-40B4-BE49-F238E27FC236}">
-                <a16:creationId xmlns:a16="http://schemas.microsoft.com/office/drawing/2014/main" id="{5224912D-F52D-26CC-81F3-0A1C5E2FB6B0}"/>
+                <a16:creationId xmlns:a16="http://schemas.microsoft.com/office/drawing/2014/main" xmlns="" id="{5224912D-F52D-26CC-81F3-0A1C5E2FB6B0}"/>
               </a:ext>
             </a:extLst>
           </p:cNvPr>
@@ -2013,7 +2028,7 @@
           <p:cNvPr id="5" name="Slide Number Placeholder 4">
             <a:extLst>
               <a:ext uri="{FF2B5EF4-FFF2-40B4-BE49-F238E27FC236}">
-                <a16:creationId xmlns:a16="http://schemas.microsoft.com/office/drawing/2014/main" id="{11A8EBE0-7BAA-EA0F-F4A4-9EBB668864A9}"/>
+                <a16:creationId xmlns:a16="http://schemas.microsoft.com/office/drawing/2014/main" xmlns="" id="{11A8EBE0-7BAA-EA0F-F4A4-9EBB668864A9}"/>
               </a:ext>
             </a:extLst>
           </p:cNvPr>
@@ -2031,6 +2046,7 @@
           <a:p>
             <a:fld id="{D5430316-3ACA-4B28-984D-A71A3432B0D6}" type="slidenum">
               <a:rPr lang="en-IN" smtClean="0"/>
+              <a:pPr/>
               <a:t>‹#›</a:t>
             </a:fld>
             <a:endParaRPr lang="en-IN"/>
@@ -2040,7 +2056,7 @@
     </p:spTree>
     <p:extLst>
       <p:ext uri="{BB962C8B-B14F-4D97-AF65-F5344CB8AC3E}">
-        <p14:creationId xmlns:p14="http://schemas.microsoft.com/office/powerpoint/2010/main" val="1166531438"/>
+        <p14:creationId xmlns:p14="http://schemas.microsoft.com/office/powerpoint/2010/main" xmlns="" val="1166531438"/>
       </p:ext>
     </p:extLst>
   </p:cSld>
@@ -2072,7 +2088,7 @@
           <p:cNvPr id="2" name="Date Placeholder 1">
             <a:extLst>
               <a:ext uri="{FF2B5EF4-FFF2-40B4-BE49-F238E27FC236}">
-                <a16:creationId xmlns:a16="http://schemas.microsoft.com/office/drawing/2014/main" id="{268E27C1-B76B-16BA-EFDE-12922348D22C}"/>
+                <a16:creationId xmlns:a16="http://schemas.microsoft.com/office/drawing/2014/main" xmlns="" id="{268E27C1-B76B-16BA-EFDE-12922348D22C}"/>
               </a:ext>
             </a:extLst>
           </p:cNvPr>
@@ -2090,7 +2106,8 @@
           <a:p>
             <a:fld id="{A5A186E3-DA41-41F9-93AB-101C8B8ADF69}" type="datetimeFigureOut">
               <a:rPr lang="en-IN" smtClean="0"/>
-              <a:t>29/09/2022</a:t>
+              <a:pPr/>
+              <a:t>10/09/2023</a:t>
             </a:fld>
             <a:endParaRPr lang="en-IN"/>
           </a:p>
@@ -2101,7 +2118,7 @@
           <p:cNvPr id="3" name="Footer Placeholder 2">
             <a:extLst>
               <a:ext uri="{FF2B5EF4-FFF2-40B4-BE49-F238E27FC236}">
-                <a16:creationId xmlns:a16="http://schemas.microsoft.com/office/drawing/2014/main" id="{B857769E-9B75-AA01-89F0-B715F57103A6}"/>
+                <a16:creationId xmlns:a16="http://schemas.microsoft.com/office/drawing/2014/main" xmlns="" id="{B857769E-9B75-AA01-89F0-B715F57103A6}"/>
               </a:ext>
             </a:extLst>
           </p:cNvPr>
@@ -2126,7 +2143,7 @@
           <p:cNvPr id="4" name="Slide Number Placeholder 3">
             <a:extLst>
               <a:ext uri="{FF2B5EF4-FFF2-40B4-BE49-F238E27FC236}">
-                <a16:creationId xmlns:a16="http://schemas.microsoft.com/office/drawing/2014/main" id="{113367BC-EA7A-3615-06C7-A8C0D8A6D9AF}"/>
+                <a16:creationId xmlns:a16="http://schemas.microsoft.com/office/drawing/2014/main" xmlns="" id="{113367BC-EA7A-3615-06C7-A8C0D8A6D9AF}"/>
               </a:ext>
             </a:extLst>
           </p:cNvPr>
@@ -2144,6 +2161,7 @@
           <a:p>
             <a:fld id="{D5430316-3ACA-4B28-984D-A71A3432B0D6}" type="slidenum">
               <a:rPr lang="en-IN" smtClean="0"/>
+              <a:pPr/>
               <a:t>‹#›</a:t>
             </a:fld>
             <a:endParaRPr lang="en-IN"/>
@@ -2153,7 +2171,7 @@
     </p:spTree>
     <p:extLst>
       <p:ext uri="{BB962C8B-B14F-4D97-AF65-F5344CB8AC3E}">
-        <p14:creationId xmlns:p14="http://schemas.microsoft.com/office/powerpoint/2010/main" val="3918817711"/>
+        <p14:creationId xmlns:p14="http://schemas.microsoft.com/office/powerpoint/2010/main" xmlns="" val="3918817711"/>
       </p:ext>
     </p:extLst>
   </p:cSld>
@@ -2185,7 +2203,7 @@
           <p:cNvPr id="2" name="Title 1">
             <a:extLst>
               <a:ext uri="{FF2B5EF4-FFF2-40B4-BE49-F238E27FC236}">
-                <a16:creationId xmlns:a16="http://schemas.microsoft.com/office/drawing/2014/main" id="{239C6018-8E36-2AFE-E5A0-A089E7626FE9}"/>
+                <a16:creationId xmlns:a16="http://schemas.microsoft.com/office/drawing/2014/main" xmlns="" id="{239C6018-8E36-2AFE-E5A0-A089E7626FE9}"/>
               </a:ext>
             </a:extLst>
           </p:cNvPr>
@@ -2223,7 +2241,7 @@
           <p:cNvPr id="3" name="Content Placeholder 2">
             <a:extLst>
               <a:ext uri="{FF2B5EF4-FFF2-40B4-BE49-F238E27FC236}">
-                <a16:creationId xmlns:a16="http://schemas.microsoft.com/office/drawing/2014/main" id="{84AF5B2C-D9FA-746D-D01E-A7F43C1932FF}"/>
+                <a16:creationId xmlns:a16="http://schemas.microsoft.com/office/drawing/2014/main" xmlns="" id="{84AF5B2C-D9FA-746D-D01E-A7F43C1932FF}"/>
               </a:ext>
             </a:extLst>
           </p:cNvPr>
@@ -2314,7 +2332,7 @@
           <p:cNvPr id="4" name="Text Placeholder 3">
             <a:extLst>
               <a:ext uri="{FF2B5EF4-FFF2-40B4-BE49-F238E27FC236}">
-                <a16:creationId xmlns:a16="http://schemas.microsoft.com/office/drawing/2014/main" id="{6D8AE9C6-2D4D-F1E2-AD4E-231CA385109F}"/>
+                <a16:creationId xmlns:a16="http://schemas.microsoft.com/office/drawing/2014/main" xmlns="" id="{6D8AE9C6-2D4D-F1E2-AD4E-231CA385109F}"/>
               </a:ext>
             </a:extLst>
           </p:cNvPr>
@@ -2385,7 +2403,7 @@
           <p:cNvPr id="5" name="Date Placeholder 4">
             <a:extLst>
               <a:ext uri="{FF2B5EF4-FFF2-40B4-BE49-F238E27FC236}">
-                <a16:creationId xmlns:a16="http://schemas.microsoft.com/office/drawing/2014/main" id="{6A09C9BD-9770-E462-DEC2-4FA4F2D13596}"/>
+                <a16:creationId xmlns:a16="http://schemas.microsoft.com/office/drawing/2014/main" xmlns="" id="{6A09C9BD-9770-E462-DEC2-4FA4F2D13596}"/>
               </a:ext>
             </a:extLst>
           </p:cNvPr>
@@ -2403,7 +2421,8 @@
           <a:p>
             <a:fld id="{A5A186E3-DA41-41F9-93AB-101C8B8ADF69}" type="datetimeFigureOut">
               <a:rPr lang="en-IN" smtClean="0"/>
-              <a:t>29/09/2022</a:t>
+              <a:pPr/>
+              <a:t>10/09/2023</a:t>
             </a:fld>
             <a:endParaRPr lang="en-IN"/>
           </a:p>
@@ -2414,7 +2433,7 @@
           <p:cNvPr id="6" name="Footer Placeholder 5">
             <a:extLst>
               <a:ext uri="{FF2B5EF4-FFF2-40B4-BE49-F238E27FC236}">
-                <a16:creationId xmlns:a16="http://schemas.microsoft.com/office/drawing/2014/main" id="{EB2AF43F-6FBA-4A40-8FC6-952D1B122697}"/>
+                <a16:creationId xmlns:a16="http://schemas.microsoft.com/office/drawing/2014/main" xmlns="" id="{EB2AF43F-6FBA-4A40-8FC6-952D1B122697}"/>
               </a:ext>
             </a:extLst>
           </p:cNvPr>
@@ -2439,7 +2458,7 @@
           <p:cNvPr id="7" name="Slide Number Placeholder 6">
             <a:extLst>
               <a:ext uri="{FF2B5EF4-FFF2-40B4-BE49-F238E27FC236}">
-                <a16:creationId xmlns:a16="http://schemas.microsoft.com/office/drawing/2014/main" id="{B49C907E-6A4E-AB79-F963-F393F0E99B1F}"/>
+                <a16:creationId xmlns:a16="http://schemas.microsoft.com/office/drawing/2014/main" xmlns="" id="{B49C907E-6A4E-AB79-F963-F393F0E99B1F}"/>
               </a:ext>
             </a:extLst>
           </p:cNvPr>
@@ -2457,6 +2476,7 @@
           <a:p>
             <a:fld id="{D5430316-3ACA-4B28-984D-A71A3432B0D6}" type="slidenum">
               <a:rPr lang="en-IN" smtClean="0"/>
+              <a:pPr/>
               <a:t>‹#›</a:t>
             </a:fld>
             <a:endParaRPr lang="en-IN"/>
@@ -2466,7 +2486,7 @@
     </p:spTree>
     <p:extLst>
       <p:ext uri="{BB962C8B-B14F-4D97-AF65-F5344CB8AC3E}">
-        <p14:creationId xmlns:p14="http://schemas.microsoft.com/office/powerpoint/2010/main" val="2397792996"/>
+        <p14:creationId xmlns:p14="http://schemas.microsoft.com/office/powerpoint/2010/main" xmlns="" val="2397792996"/>
       </p:ext>
     </p:extLst>
   </p:cSld>
@@ -2498,7 +2518,7 @@
           <p:cNvPr id="2" name="Title 1">
             <a:extLst>
               <a:ext uri="{FF2B5EF4-FFF2-40B4-BE49-F238E27FC236}">
-                <a16:creationId xmlns:a16="http://schemas.microsoft.com/office/drawing/2014/main" id="{5A983F96-8D6A-8198-15C3-5D9FD1C82F60}"/>
+                <a16:creationId xmlns:a16="http://schemas.microsoft.com/office/drawing/2014/main" xmlns="" id="{5A983F96-8D6A-8198-15C3-5D9FD1C82F60}"/>
               </a:ext>
             </a:extLst>
           </p:cNvPr>
@@ -2536,7 +2556,7 @@
           <p:cNvPr id="3" name="Picture Placeholder 2">
             <a:extLst>
               <a:ext uri="{FF2B5EF4-FFF2-40B4-BE49-F238E27FC236}">
-                <a16:creationId xmlns:a16="http://schemas.microsoft.com/office/drawing/2014/main" id="{85431472-8417-F79E-C863-0ED74B2CF367}"/>
+                <a16:creationId xmlns:a16="http://schemas.microsoft.com/office/drawing/2014/main" xmlns="" id="{85431472-8417-F79E-C863-0ED74B2CF367}"/>
               </a:ext>
             </a:extLst>
           </p:cNvPr>
@@ -2603,7 +2623,7 @@
           <p:cNvPr id="4" name="Text Placeholder 3">
             <a:extLst>
               <a:ext uri="{FF2B5EF4-FFF2-40B4-BE49-F238E27FC236}">
-                <a16:creationId xmlns:a16="http://schemas.microsoft.com/office/drawing/2014/main" id="{31852701-4140-2215-0CDB-83DD9CA6D77D}"/>
+                <a16:creationId xmlns:a16="http://schemas.microsoft.com/office/drawing/2014/main" xmlns="" id="{31852701-4140-2215-0CDB-83DD9CA6D77D}"/>
               </a:ext>
             </a:extLst>
           </p:cNvPr>
@@ -2674,7 +2694,7 @@
           <p:cNvPr id="5" name="Date Placeholder 4">
             <a:extLst>
               <a:ext uri="{FF2B5EF4-FFF2-40B4-BE49-F238E27FC236}">
-                <a16:creationId xmlns:a16="http://schemas.microsoft.com/office/drawing/2014/main" id="{F1534D4E-BB78-E250-E905-EEC84A6632E6}"/>
+                <a16:creationId xmlns:a16="http://schemas.microsoft.com/office/drawing/2014/main" xmlns="" id="{F1534D4E-BB78-E250-E905-EEC84A6632E6}"/>
               </a:ext>
             </a:extLst>
           </p:cNvPr>
@@ -2692,7 +2712,8 @@
           <a:p>
             <a:fld id="{A5A186E3-DA41-41F9-93AB-101C8B8ADF69}" type="datetimeFigureOut">
               <a:rPr lang="en-IN" smtClean="0"/>
-              <a:t>29/09/2022</a:t>
+              <a:pPr/>
+              <a:t>10/09/2023</a:t>
             </a:fld>
             <a:endParaRPr lang="en-IN"/>
           </a:p>
@@ -2703,7 +2724,7 @@
           <p:cNvPr id="6" name="Footer Placeholder 5">
             <a:extLst>
               <a:ext uri="{FF2B5EF4-FFF2-40B4-BE49-F238E27FC236}">
-                <a16:creationId xmlns:a16="http://schemas.microsoft.com/office/drawing/2014/main" id="{942079A6-8BD3-00C5-9BBE-C77B1A2BE738}"/>
+                <a16:creationId xmlns:a16="http://schemas.microsoft.com/office/drawing/2014/main" xmlns="" id="{942079A6-8BD3-00C5-9BBE-C77B1A2BE738}"/>
               </a:ext>
             </a:extLst>
           </p:cNvPr>
@@ -2728,7 +2749,7 @@
           <p:cNvPr id="7" name="Slide Number Placeholder 6">
             <a:extLst>
               <a:ext uri="{FF2B5EF4-FFF2-40B4-BE49-F238E27FC236}">
-                <a16:creationId xmlns:a16="http://schemas.microsoft.com/office/drawing/2014/main" id="{D864839A-B212-99F9-E69A-37FF09BBDCEE}"/>
+                <a16:creationId xmlns:a16="http://schemas.microsoft.com/office/drawing/2014/main" xmlns="" id="{D864839A-B212-99F9-E69A-37FF09BBDCEE}"/>
               </a:ext>
             </a:extLst>
           </p:cNvPr>
@@ -2746,6 +2767,7 @@
           <a:p>
             <a:fld id="{D5430316-3ACA-4B28-984D-A71A3432B0D6}" type="slidenum">
               <a:rPr lang="en-IN" smtClean="0"/>
+              <a:pPr/>
               <a:t>‹#›</a:t>
             </a:fld>
             <a:endParaRPr lang="en-IN"/>
@@ -2755,7 +2777,7 @@
     </p:spTree>
     <p:extLst>
       <p:ext uri="{BB962C8B-B14F-4D97-AF65-F5344CB8AC3E}">
-        <p14:creationId xmlns:p14="http://schemas.microsoft.com/office/powerpoint/2010/main" val="2959845817"/>
+        <p14:creationId xmlns:p14="http://schemas.microsoft.com/office/powerpoint/2010/main" xmlns="" val="2959845817"/>
       </p:ext>
     </p:extLst>
   </p:cSld>
@@ -2792,7 +2814,7 @@
           <p:cNvPr id="2" name="Title Placeholder 1">
             <a:extLst>
               <a:ext uri="{FF2B5EF4-FFF2-40B4-BE49-F238E27FC236}">
-                <a16:creationId xmlns:a16="http://schemas.microsoft.com/office/drawing/2014/main" id="{DE179899-820D-6017-16FD-0CC57864D13C}"/>
+                <a16:creationId xmlns:a16="http://schemas.microsoft.com/office/drawing/2014/main" xmlns="" id="{DE179899-820D-6017-16FD-0CC57864D13C}"/>
               </a:ext>
             </a:extLst>
           </p:cNvPr>
@@ -2831,7 +2853,7 @@
           <p:cNvPr id="3" name="Text Placeholder 2">
             <a:extLst>
               <a:ext uri="{FF2B5EF4-FFF2-40B4-BE49-F238E27FC236}">
-                <a16:creationId xmlns:a16="http://schemas.microsoft.com/office/drawing/2014/main" id="{47942EEE-6546-C9D0-36EB-E87F71FCA92D}"/>
+                <a16:creationId xmlns:a16="http://schemas.microsoft.com/office/drawing/2014/main" xmlns="" id="{47942EEE-6546-C9D0-36EB-E87F71FCA92D}"/>
               </a:ext>
             </a:extLst>
           </p:cNvPr>
@@ -2899,7 +2921,7 @@
           <p:cNvPr id="4" name="Date Placeholder 3">
             <a:extLst>
               <a:ext uri="{FF2B5EF4-FFF2-40B4-BE49-F238E27FC236}">
-                <a16:creationId xmlns:a16="http://schemas.microsoft.com/office/drawing/2014/main" id="{5EF8B67D-4244-00B2-D235-7B65D1C44B9F}"/>
+                <a16:creationId xmlns:a16="http://schemas.microsoft.com/office/drawing/2014/main" xmlns="" id="{5EF8B67D-4244-00B2-D235-7B65D1C44B9F}"/>
               </a:ext>
             </a:extLst>
           </p:cNvPr>
@@ -2935,7 +2957,8 @@
           <a:p>
             <a:fld id="{A5A186E3-DA41-41F9-93AB-101C8B8ADF69}" type="datetimeFigureOut">
               <a:rPr lang="en-IN" smtClean="0"/>
-              <a:t>29/09/2022</a:t>
+              <a:pPr/>
+              <a:t>10/09/2023</a:t>
             </a:fld>
             <a:endParaRPr lang="en-IN"/>
           </a:p>
@@ -2946,7 +2969,7 @@
           <p:cNvPr id="5" name="Footer Placeholder 4">
             <a:extLst>
               <a:ext uri="{FF2B5EF4-FFF2-40B4-BE49-F238E27FC236}">
-                <a16:creationId xmlns:a16="http://schemas.microsoft.com/office/drawing/2014/main" id="{7AF92B25-A415-B1F0-6A8F-6D00EA785BE0}"/>
+                <a16:creationId xmlns:a16="http://schemas.microsoft.com/office/drawing/2014/main" xmlns="" id="{7AF92B25-A415-B1F0-6A8F-6D00EA785BE0}"/>
               </a:ext>
             </a:extLst>
           </p:cNvPr>
@@ -2989,7 +3012,7 @@
           <p:cNvPr id="6" name="Slide Number Placeholder 5">
             <a:extLst>
               <a:ext uri="{FF2B5EF4-FFF2-40B4-BE49-F238E27FC236}">
-                <a16:creationId xmlns:a16="http://schemas.microsoft.com/office/drawing/2014/main" id="{CCAFE1EA-C32E-BEF5-479F-B103CCC249F3}"/>
+                <a16:creationId xmlns:a16="http://schemas.microsoft.com/office/drawing/2014/main" xmlns="" id="{CCAFE1EA-C32E-BEF5-479F-B103CCC249F3}"/>
               </a:ext>
             </a:extLst>
           </p:cNvPr>
@@ -3025,6 +3048,7 @@
           <a:p>
             <a:fld id="{D5430316-3ACA-4B28-984D-A71A3432B0D6}" type="slidenum">
               <a:rPr lang="en-IN" smtClean="0"/>
+              <a:pPr/>
               <a:t>‹#›</a:t>
             </a:fld>
             <a:endParaRPr lang="en-IN"/>
@@ -3034,7 +3058,7 @@
     </p:spTree>
     <p:extLst>
       <p:ext uri="{BB962C8B-B14F-4D97-AF65-F5344CB8AC3E}">
-        <p14:creationId xmlns:p14="http://schemas.microsoft.com/office/powerpoint/2010/main" val="1730086249"/>
+        <p14:creationId xmlns:p14="http://schemas.microsoft.com/office/powerpoint/2010/main" xmlns="" val="1730086249"/>
       </p:ext>
     </p:extLst>
   </p:cSld>
@@ -3357,7 +3381,7 @@
           <p:cNvPr id="2" name="Table 1">
             <a:extLst>
               <a:ext uri="{FF2B5EF4-FFF2-40B4-BE49-F238E27FC236}">
-                <a16:creationId xmlns:a16="http://schemas.microsoft.com/office/drawing/2014/main" id="{C475366F-83D5-601A-34C7-F3AB2A21EA15}"/>
+                <a16:creationId xmlns:a16="http://schemas.microsoft.com/office/drawing/2014/main" xmlns="" id="{C475366F-83D5-601A-34C7-F3AB2A21EA15}"/>
               </a:ext>
             </a:extLst>
           </p:cNvPr>
@@ -3367,7 +3391,7 @@
           <p:nvPr>
             <p:extLst>
               <p:ext uri="{D42A27DB-BD31-4B8C-83A1-F6EECF244321}">
-                <p14:modId xmlns:p14="http://schemas.microsoft.com/office/powerpoint/2010/main" val="2492786012"/>
+                <p14:modId xmlns:p14="http://schemas.microsoft.com/office/powerpoint/2010/main" xmlns="" val="2492786012"/>
               </p:ext>
             </p:extLst>
           </p:nvPr>
@@ -3384,7 +3408,7 @@
                 <a:gridCol w="5257800">
                   <a:extLst>
                     <a:ext uri="{9D8B030D-6E8A-4147-A177-3AD203B41FA5}">
-                      <a16:colId xmlns:a16="http://schemas.microsoft.com/office/drawing/2014/main" val="1483886249"/>
+                      <a16:colId xmlns:a16="http://schemas.microsoft.com/office/drawing/2014/main" xmlns="" val="1483886249"/>
                     </a:ext>
                   </a:extLst>
                 </a:gridCol>
@@ -3415,7 +3439,7 @@
                 </a:tc>
                 <a:extLst>
                   <a:ext uri="{0D108BD9-81ED-4DB2-BD59-A6C34878D82A}">
-                    <a16:rowId xmlns:a16="http://schemas.microsoft.com/office/drawing/2014/main" val="3775227522"/>
+                    <a16:rowId xmlns:a16="http://schemas.microsoft.com/office/drawing/2014/main" xmlns="" val="3775227522"/>
                   </a:ext>
                 </a:extLst>
               </a:tr>
@@ -3445,7 +3469,7 @@
                 </a:tc>
                 <a:extLst>
                   <a:ext uri="{0D108BD9-81ED-4DB2-BD59-A6C34878D82A}">
-                    <a16:rowId xmlns:a16="http://schemas.microsoft.com/office/drawing/2014/main" val="1767288155"/>
+                    <a16:rowId xmlns:a16="http://schemas.microsoft.com/office/drawing/2014/main" xmlns="" val="1767288155"/>
                   </a:ext>
                 </a:extLst>
               </a:tr>
@@ -3475,7 +3499,7 @@
                 </a:tc>
                 <a:extLst>
                   <a:ext uri="{0D108BD9-81ED-4DB2-BD59-A6C34878D82A}">
-                    <a16:rowId xmlns:a16="http://schemas.microsoft.com/office/drawing/2014/main" val="2505794768"/>
+                    <a16:rowId xmlns:a16="http://schemas.microsoft.com/office/drawing/2014/main" xmlns="" val="2505794768"/>
                   </a:ext>
                 </a:extLst>
               </a:tr>
@@ -3505,7 +3529,7 @@
                 </a:tc>
                 <a:extLst>
                   <a:ext uri="{0D108BD9-81ED-4DB2-BD59-A6C34878D82A}">
-                    <a16:rowId xmlns:a16="http://schemas.microsoft.com/office/drawing/2014/main" val="3754841907"/>
+                    <a16:rowId xmlns:a16="http://schemas.microsoft.com/office/drawing/2014/main" xmlns="" val="3754841907"/>
                   </a:ext>
                 </a:extLst>
               </a:tr>
@@ -3518,7 +3542,7 @@
           <p:cNvPr id="3" name="Rectangle 1">
             <a:extLst>
               <a:ext uri="{FF2B5EF4-FFF2-40B4-BE49-F238E27FC236}">
-                <a16:creationId xmlns:a16="http://schemas.microsoft.com/office/drawing/2014/main" id="{CDAB468A-C427-6A02-3666-6F2A0B80834E}"/>
+                <a16:creationId xmlns:a16="http://schemas.microsoft.com/office/drawing/2014/main" xmlns="" id="{CDAB468A-C427-6A02-3666-6F2A0B80834E}"/>
               </a:ext>
             </a:extLst>
           </p:cNvPr>
@@ -3542,14 +3566,14 @@
           <a:effectLst/>
           <a:extLst>
             <a:ext uri="{909E8E84-426E-40DD-AFC4-6F175D3DCCD1}">
-              <a14:hiddenFill xmlns:a14="http://schemas.microsoft.com/office/drawing/2010/main">
+              <a14:hiddenFill xmlns:a14="http://schemas.microsoft.com/office/drawing/2010/main" xmlns="">
                 <a:solidFill>
                   <a:schemeClr val="accent1"/>
                 </a:solidFill>
               </a14:hiddenFill>
             </a:ext>
             <a:ext uri="{91240B29-F687-4F45-9708-019B960494DF}">
-              <a14:hiddenLine xmlns:a14="http://schemas.microsoft.com/office/drawing/2010/main" w="9525">
+              <a14:hiddenLine xmlns:a14="http://schemas.microsoft.com/office/drawing/2010/main" xmlns="" w="9525">
                 <a:solidFill>
                   <a:schemeClr val="tx1"/>
                 </a:solidFill>
@@ -3559,7 +3583,7 @@
               </a14:hiddenLine>
             </a:ext>
             <a:ext uri="{AF507438-7753-43E0-B8FC-AC1667EBCBE1}">
-              <a14:hiddenEffects xmlns:a14="http://schemas.microsoft.com/office/drawing/2010/main">
+              <a14:hiddenEffects xmlns:a14="http://schemas.microsoft.com/office/drawing/2010/main" xmlns="">
                 <a:effectLst>
                   <a:outerShdw dist="35921" dir="2700000" algn="ctr" rotWithShape="0">
                     <a:schemeClr val="bg2"/>
@@ -3734,6 +3758,18 @@
               </a:rPr>
               <a:t>what are the features of WEB API?</a:t>
             </a:r>
+            <a:r>
+              <a:rPr kumimoji="0" lang="en-US" altLang="en-US" sz="3200" b="0" i="0" u="none" strike="noStrike" cap="none" normalizeH="0" baseline="0" dirty="0">
+                <a:ln>
+                  <a:noFill/>
+                </a:ln>
+                <a:solidFill>
+                  <a:schemeClr val="tx1"/>
+                </a:solidFill>
+                <a:effectLst/>
+              </a:rPr>
+              <a:t/>
+            </a:r>
             <a:br>
               <a:rPr kumimoji="0" lang="en-US" altLang="en-US" sz="3200" b="0" i="0" u="none" strike="noStrike" cap="none" normalizeH="0" baseline="0" dirty="0">
                 <a:ln>
@@ -3745,6 +3781,19 @@
                 <a:effectLst/>
               </a:rPr>
             </a:br>
+            <a:r>
+              <a:rPr kumimoji="0" lang="en-US" altLang="en-US" sz="3200" b="0" i="0" u="none" strike="noStrike" cap="none" normalizeH="0" baseline="0" dirty="0">
+                <a:ln>
+                  <a:noFill/>
+                </a:ln>
+                <a:solidFill>
+                  <a:schemeClr val="tx1"/>
+                </a:solidFill>
+                <a:effectLst/>
+                <a:latin typeface="Arial" panose="020B0604020202020204" pitchFamily="34" charset="0"/>
+              </a:rPr>
+              <a:t/>
+            </a:r>
             <a:br>
               <a:rPr kumimoji="0" lang="en-US" altLang="en-US" sz="3200" b="0" i="0" u="none" strike="noStrike" cap="none" normalizeH="0" baseline="0" dirty="0">
                 <a:ln>
@@ -3775,7 +3824,7 @@
           <p:cNvPr id="7" name="Table 6">
             <a:extLst>
               <a:ext uri="{FF2B5EF4-FFF2-40B4-BE49-F238E27FC236}">
-                <a16:creationId xmlns:a16="http://schemas.microsoft.com/office/drawing/2014/main" id="{3D968250-611B-8187-1A33-FCAFAE2D215F}"/>
+                <a16:creationId xmlns:a16="http://schemas.microsoft.com/office/drawing/2014/main" xmlns="" id="{3D968250-611B-8187-1A33-FCAFAE2D215F}"/>
               </a:ext>
             </a:extLst>
           </p:cNvPr>
@@ -3785,7 +3834,7 @@
           <p:nvPr>
             <p:extLst>
               <p:ext uri="{D42A27DB-BD31-4B8C-83A1-F6EECF244321}">
-                <p14:modId xmlns:p14="http://schemas.microsoft.com/office/powerpoint/2010/main" val="723190215"/>
+                <p14:modId xmlns:p14="http://schemas.microsoft.com/office/powerpoint/2010/main" xmlns="" val="723190215"/>
               </p:ext>
             </p:extLst>
           </p:nvPr>
@@ -3802,7 +3851,7 @@
                 <a:gridCol w="10320292">
                   <a:extLst>
                     <a:ext uri="{9D8B030D-6E8A-4147-A177-3AD203B41FA5}">
-                      <a16:colId xmlns:a16="http://schemas.microsoft.com/office/drawing/2014/main" val="3002771127"/>
+                      <a16:colId xmlns:a16="http://schemas.microsoft.com/office/drawing/2014/main" xmlns="" val="3002771127"/>
                     </a:ext>
                   </a:extLst>
                 </a:gridCol>
@@ -3863,7 +3912,7 @@
                 </a:tc>
                 <a:extLst>
                   <a:ext uri="{0D108BD9-81ED-4DB2-BD59-A6C34878D82A}">
-                    <a16:rowId xmlns:a16="http://schemas.microsoft.com/office/drawing/2014/main" val="230048572"/>
+                    <a16:rowId xmlns:a16="http://schemas.microsoft.com/office/drawing/2014/main" xmlns="" val="230048572"/>
                   </a:ext>
                 </a:extLst>
               </a:tr>
@@ -3903,7 +3952,7 @@
                 </a:tc>
                 <a:extLst>
                   <a:ext uri="{0D108BD9-81ED-4DB2-BD59-A6C34878D82A}">
-                    <a16:rowId xmlns:a16="http://schemas.microsoft.com/office/drawing/2014/main" val="228691022"/>
+                    <a16:rowId xmlns:a16="http://schemas.microsoft.com/office/drawing/2014/main" xmlns="" val="228691022"/>
                   </a:ext>
                 </a:extLst>
               </a:tr>
@@ -3943,7 +3992,7 @@
                 </a:tc>
                 <a:extLst>
                   <a:ext uri="{0D108BD9-81ED-4DB2-BD59-A6C34878D82A}">
-                    <a16:rowId xmlns:a16="http://schemas.microsoft.com/office/drawing/2014/main" val="624905701"/>
+                    <a16:rowId xmlns:a16="http://schemas.microsoft.com/office/drawing/2014/main" xmlns="" val="624905701"/>
                   </a:ext>
                 </a:extLst>
               </a:tr>
@@ -3983,7 +4032,7 @@
                 </a:tc>
                 <a:extLst>
                   <a:ext uri="{0D108BD9-81ED-4DB2-BD59-A6C34878D82A}">
-                    <a16:rowId xmlns:a16="http://schemas.microsoft.com/office/drawing/2014/main" val="4283196616"/>
+                    <a16:rowId xmlns:a16="http://schemas.microsoft.com/office/drawing/2014/main" xmlns="" val="4283196616"/>
                   </a:ext>
                 </a:extLst>
               </a:tr>
@@ -3996,7 +4045,7 @@
           <p:cNvPr id="9" name="TextBox 8">
             <a:extLst>
               <a:ext uri="{FF2B5EF4-FFF2-40B4-BE49-F238E27FC236}">
-                <a16:creationId xmlns:a16="http://schemas.microsoft.com/office/drawing/2014/main" id="{45774FCD-6FB2-CF04-30F0-20A02FF9B70D}"/>
+                <a16:creationId xmlns:a16="http://schemas.microsoft.com/office/drawing/2014/main" xmlns="" id="{45774FCD-6FB2-CF04-30F0-20A02FF9B70D}"/>
               </a:ext>
             </a:extLst>
           </p:cNvPr>
@@ -4030,7 +4079,7 @@
     </p:spTree>
     <p:extLst>
       <p:ext uri="{BB962C8B-B14F-4D97-AF65-F5344CB8AC3E}">
-        <p14:creationId xmlns:p14="http://schemas.microsoft.com/office/powerpoint/2010/main" val="3689780856"/>
+        <p14:creationId xmlns:p14="http://schemas.microsoft.com/office/powerpoint/2010/main" xmlns="" val="3689780856"/>
       </p:ext>
     </p:extLst>
   </p:cSld>
@@ -4062,7 +4111,7 @@
           <p:cNvPr id="2" name="Title 1">
             <a:extLst>
               <a:ext uri="{FF2B5EF4-FFF2-40B4-BE49-F238E27FC236}">
-                <a16:creationId xmlns:a16="http://schemas.microsoft.com/office/drawing/2014/main" id="{8DE3658A-D656-A12B-8B34-BD4685415E31}"/>
+                <a16:creationId xmlns:a16="http://schemas.microsoft.com/office/drawing/2014/main" xmlns="" id="{8DE3658A-D656-A12B-8B34-BD4685415E31}"/>
               </a:ext>
             </a:extLst>
           </p:cNvPr>
@@ -4106,7 +4155,7 @@
           <p:cNvPr id="4" name="TextBox 3">
             <a:extLst>
               <a:ext uri="{FF2B5EF4-FFF2-40B4-BE49-F238E27FC236}">
-                <a16:creationId xmlns:a16="http://schemas.microsoft.com/office/drawing/2014/main" id="{1845D091-2F12-DF19-D0BD-DA553A11A155}"/>
+                <a16:creationId xmlns:a16="http://schemas.microsoft.com/office/drawing/2014/main" xmlns="" id="{1845D091-2F12-DF19-D0BD-DA553A11A155}"/>
               </a:ext>
             </a:extLst>
           </p:cNvPr>
@@ -4207,7 +4256,7 @@
     </p:spTree>
     <p:extLst>
       <p:ext uri="{BB962C8B-B14F-4D97-AF65-F5344CB8AC3E}">
-        <p14:creationId xmlns:p14="http://schemas.microsoft.com/office/powerpoint/2010/main" val="925165342"/>
+        <p14:creationId xmlns:p14="http://schemas.microsoft.com/office/powerpoint/2010/main" xmlns="" val="925165342"/>
       </p:ext>
     </p:extLst>
   </p:cSld>
@@ -4239,7 +4288,7 @@
           <p:cNvPr id="1026" name="Picture 2">
             <a:extLst>
               <a:ext uri="{FF2B5EF4-FFF2-40B4-BE49-F238E27FC236}">
-                <a16:creationId xmlns:a16="http://schemas.microsoft.com/office/drawing/2014/main" id="{0553BFBC-0688-876A-FC54-79E0A3EC4C13}"/>
+                <a16:creationId xmlns:a16="http://schemas.microsoft.com/office/drawing/2014/main" xmlns="" id="{0553BFBC-0688-876A-FC54-79E0A3EC4C13}"/>
               </a:ext>
             </a:extLst>
           </p:cNvPr>
@@ -4252,7 +4301,7 @@
           <a:blip r:embed="rId2">
             <a:extLst>
               <a:ext uri="{28A0092B-C50C-407E-A947-70E740481C1C}">
-                <a14:useLocalDpi xmlns:a14="http://schemas.microsoft.com/office/drawing/2010/main" val="0"/>
+                <a14:useLocalDpi xmlns:a14="http://schemas.microsoft.com/office/drawing/2010/main" xmlns="" val="0"/>
               </a:ext>
             </a:extLst>
           </a:blip>
@@ -4272,7 +4321,7 @@
           <a:noFill/>
           <a:extLst>
             <a:ext uri="{909E8E84-426E-40DD-AFC4-6F175D3DCCD1}">
-              <a14:hiddenFill xmlns:a14="http://schemas.microsoft.com/office/drawing/2010/main">
+              <a14:hiddenFill xmlns:a14="http://schemas.microsoft.com/office/drawing/2010/main" xmlns="">
                 <a:solidFill>
                   <a:srgbClr val="FFFFFF"/>
                 </a:solidFill>
@@ -4284,7 +4333,7 @@
     </p:spTree>
     <p:extLst>
       <p:ext uri="{BB962C8B-B14F-4D97-AF65-F5344CB8AC3E}">
-        <p14:creationId xmlns:p14="http://schemas.microsoft.com/office/powerpoint/2010/main" val="3780145185"/>
+        <p14:creationId xmlns:p14="http://schemas.microsoft.com/office/powerpoint/2010/main" xmlns="" val="3780145185"/>
       </p:ext>
     </p:extLst>
   </p:cSld>
@@ -4316,7 +4365,7 @@
           <p:cNvPr id="4" name="TextBox 3">
             <a:extLst>
               <a:ext uri="{FF2B5EF4-FFF2-40B4-BE49-F238E27FC236}">
-                <a16:creationId xmlns:a16="http://schemas.microsoft.com/office/drawing/2014/main" id="{96A76A4F-7E96-AF22-E4AF-E612CA5D4D96}"/>
+                <a16:creationId xmlns:a16="http://schemas.microsoft.com/office/drawing/2014/main" xmlns="" id="{96A76A4F-7E96-AF22-E4AF-E612CA5D4D96}"/>
               </a:ext>
             </a:extLst>
           </p:cNvPr>
@@ -4371,7 +4420,7 @@
           <p:cNvPr id="5" name="TextBox 4">
             <a:extLst>
               <a:ext uri="{FF2B5EF4-FFF2-40B4-BE49-F238E27FC236}">
-                <a16:creationId xmlns:a16="http://schemas.microsoft.com/office/drawing/2014/main" id="{A5E6CD21-D886-85D3-A35F-0482259BC258}"/>
+                <a16:creationId xmlns:a16="http://schemas.microsoft.com/office/drawing/2014/main" xmlns="" id="{A5E6CD21-D886-85D3-A35F-0482259BC258}"/>
               </a:ext>
             </a:extLst>
           </p:cNvPr>
@@ -4498,7 +4547,7 @@
     </p:spTree>
     <p:extLst>
       <p:ext uri="{BB962C8B-B14F-4D97-AF65-F5344CB8AC3E}">
-        <p14:creationId xmlns:p14="http://schemas.microsoft.com/office/powerpoint/2010/main" val="593792051"/>
+        <p14:creationId xmlns:p14="http://schemas.microsoft.com/office/powerpoint/2010/main" xmlns="" val="593792051"/>
       </p:ext>
     </p:extLst>
   </p:cSld>
@@ -4530,7 +4579,7 @@
           <p:cNvPr id="2" name="Table 1">
             <a:extLst>
               <a:ext uri="{FF2B5EF4-FFF2-40B4-BE49-F238E27FC236}">
-                <a16:creationId xmlns:a16="http://schemas.microsoft.com/office/drawing/2014/main" id="{28D7F05C-2108-466C-4E3D-CE11716A166B}"/>
+                <a16:creationId xmlns:a16="http://schemas.microsoft.com/office/drawing/2014/main" xmlns="" id="{28D7F05C-2108-466C-4E3D-CE11716A166B}"/>
               </a:ext>
             </a:extLst>
           </p:cNvPr>
@@ -4540,7 +4589,7 @@
           <p:nvPr>
             <p:extLst>
               <p:ext uri="{D42A27DB-BD31-4B8C-83A1-F6EECF244321}">
-                <p14:modId xmlns:p14="http://schemas.microsoft.com/office/powerpoint/2010/main" val="2336475389"/>
+                <p14:modId xmlns:p14="http://schemas.microsoft.com/office/powerpoint/2010/main" xmlns="" val="2336475389"/>
               </p:ext>
             </p:extLst>
           </p:nvPr>
@@ -4557,28 +4606,28 @@
                 <a:gridCol w="2628669">
                   <a:extLst>
                     <a:ext uri="{9D8B030D-6E8A-4147-A177-3AD203B41FA5}">
-                      <a16:colId xmlns:a16="http://schemas.microsoft.com/office/drawing/2014/main" val="779934057"/>
+                      <a16:colId xmlns:a16="http://schemas.microsoft.com/office/drawing/2014/main" xmlns="" val="779934057"/>
                     </a:ext>
                   </a:extLst>
                 </a:gridCol>
                 <a:gridCol w="2628669">
                   <a:extLst>
                     <a:ext uri="{9D8B030D-6E8A-4147-A177-3AD203B41FA5}">
-                      <a16:colId xmlns:a16="http://schemas.microsoft.com/office/drawing/2014/main" val="2302342864"/>
+                      <a16:colId xmlns:a16="http://schemas.microsoft.com/office/drawing/2014/main" xmlns="" val="2302342864"/>
                     </a:ext>
                   </a:extLst>
                 </a:gridCol>
                 <a:gridCol w="2628669">
                   <a:extLst>
                     <a:ext uri="{9D8B030D-6E8A-4147-A177-3AD203B41FA5}">
-                      <a16:colId xmlns:a16="http://schemas.microsoft.com/office/drawing/2014/main" val="357480006"/>
+                      <a16:colId xmlns:a16="http://schemas.microsoft.com/office/drawing/2014/main" xmlns="" val="357480006"/>
                     </a:ext>
                   </a:extLst>
                 </a:gridCol>
                 <a:gridCol w="2628669">
                   <a:extLst>
                     <a:ext uri="{9D8B030D-6E8A-4147-A177-3AD203B41FA5}">
-                      <a16:colId xmlns:a16="http://schemas.microsoft.com/office/drawing/2014/main" val="2759262605"/>
+                      <a16:colId xmlns:a16="http://schemas.microsoft.com/office/drawing/2014/main" xmlns="" val="2759262605"/>
                     </a:ext>
                   </a:extLst>
                 </a:gridCol>
@@ -4810,7 +4859,7 @@
                 </a:tc>
                 <a:extLst>
                   <a:ext uri="{0D108BD9-81ED-4DB2-BD59-A6C34878D82A}">
-                    <a16:rowId xmlns:a16="http://schemas.microsoft.com/office/drawing/2014/main" val="3712218058"/>
+                    <a16:rowId xmlns:a16="http://schemas.microsoft.com/office/drawing/2014/main" xmlns="" val="3712218058"/>
                   </a:ext>
                 </a:extLst>
               </a:tr>
@@ -5041,7 +5090,7 @@
                 </a:tc>
                 <a:extLst>
                   <a:ext uri="{0D108BD9-81ED-4DB2-BD59-A6C34878D82A}">
-                    <a16:rowId xmlns:a16="http://schemas.microsoft.com/office/drawing/2014/main" val="152576249"/>
+                    <a16:rowId xmlns:a16="http://schemas.microsoft.com/office/drawing/2014/main" xmlns="" val="152576249"/>
                   </a:ext>
                 </a:extLst>
               </a:tr>
@@ -5272,7 +5321,7 @@
                 </a:tc>
                 <a:extLst>
                   <a:ext uri="{0D108BD9-81ED-4DB2-BD59-A6C34878D82A}">
-                    <a16:rowId xmlns:a16="http://schemas.microsoft.com/office/drawing/2014/main" val="1831933626"/>
+                    <a16:rowId xmlns:a16="http://schemas.microsoft.com/office/drawing/2014/main" xmlns="" val="1831933626"/>
                   </a:ext>
                 </a:extLst>
               </a:tr>
@@ -5503,7 +5552,7 @@
                 </a:tc>
                 <a:extLst>
                   <a:ext uri="{0D108BD9-81ED-4DB2-BD59-A6C34878D82A}">
-                    <a16:rowId xmlns:a16="http://schemas.microsoft.com/office/drawing/2014/main" val="1642147814"/>
+                    <a16:rowId xmlns:a16="http://schemas.microsoft.com/office/drawing/2014/main" xmlns="" val="1642147814"/>
                   </a:ext>
                 </a:extLst>
               </a:tr>
@@ -5734,7 +5783,7 @@
                 </a:tc>
                 <a:extLst>
                   <a:ext uri="{0D108BD9-81ED-4DB2-BD59-A6C34878D82A}">
-                    <a16:rowId xmlns:a16="http://schemas.microsoft.com/office/drawing/2014/main" val="2143542591"/>
+                    <a16:rowId xmlns:a16="http://schemas.microsoft.com/office/drawing/2014/main" xmlns="" val="2143542591"/>
                   </a:ext>
                 </a:extLst>
               </a:tr>
@@ -5965,7 +6014,7 @@
                 </a:tc>
                 <a:extLst>
                   <a:ext uri="{0D108BD9-81ED-4DB2-BD59-A6C34878D82A}">
-                    <a16:rowId xmlns:a16="http://schemas.microsoft.com/office/drawing/2014/main" val="719749389"/>
+                    <a16:rowId xmlns:a16="http://schemas.microsoft.com/office/drawing/2014/main" xmlns="" val="719749389"/>
                   </a:ext>
                 </a:extLst>
               </a:tr>
@@ -5976,7 +6025,7 @@
     </p:spTree>
     <p:extLst>
       <p:ext uri="{BB962C8B-B14F-4D97-AF65-F5344CB8AC3E}">
-        <p14:creationId xmlns:p14="http://schemas.microsoft.com/office/powerpoint/2010/main" val="3647766633"/>
+        <p14:creationId xmlns:p14="http://schemas.microsoft.com/office/powerpoint/2010/main" xmlns="" val="3647766633"/>
       </p:ext>
     </p:extLst>
   </p:cSld>
@@ -6008,7 +6057,7 @@
           <p:cNvPr id="3" name="TextBox 2">
             <a:extLst>
               <a:ext uri="{FF2B5EF4-FFF2-40B4-BE49-F238E27FC236}">
-                <a16:creationId xmlns:a16="http://schemas.microsoft.com/office/drawing/2014/main" id="{4041F0DF-FF39-1708-F4C2-0CBE67959F25}"/>
+                <a16:creationId xmlns:a16="http://schemas.microsoft.com/office/drawing/2014/main" xmlns="" id="{4041F0DF-FF39-1708-F4C2-0CBE67959F25}"/>
               </a:ext>
             </a:extLst>
           </p:cNvPr>
@@ -6017,7 +6066,7 @@
         </p:nvSpPr>
         <p:spPr>
           <a:xfrm>
-            <a:off x="816746" y="3429000"/>
+            <a:off x="1015153" y="970471"/>
             <a:ext cx="8202967" cy="2862322"/>
           </a:xfrm>
           <a:prstGeom prst="rect">
@@ -6152,7 +6201,7 @@
     </p:spTree>
     <p:extLst>
       <p:ext uri="{BB962C8B-B14F-4D97-AF65-F5344CB8AC3E}">
-        <p14:creationId xmlns:p14="http://schemas.microsoft.com/office/powerpoint/2010/main" val="3485986640"/>
+        <p14:creationId xmlns:p14="http://schemas.microsoft.com/office/powerpoint/2010/main" xmlns="" val="3485986640"/>
       </p:ext>
     </p:extLst>
   </p:cSld>
@@ -6205,7 +6254,7 @@
     </a:clrScheme>
     <a:fontScheme name="Office">
       <a:majorFont>
-        <a:latin typeface="Calibri Light" panose="020F0302020204030204"/>
+        <a:latin typeface="Calibri Light"/>
         <a:ea typeface=""/>
         <a:cs typeface=""/>
         <a:font script="Jpan" typeface="游ゴシック Light"/>
@@ -6257,7 +6306,7 @@
         <a:font script="Tfng" typeface="Ebrima"/>
       </a:majorFont>
       <a:minorFont>
-        <a:latin typeface="Calibri" panose="020F0502020204030204"/>
+        <a:latin typeface="Calibri"/>
         <a:ea typeface=""/>
         <a:cs typeface=""/>
         <a:font script="Jpan" typeface="游ゴシック"/>
@@ -6451,7 +6500,7 @@
   <a:extraClrSchemeLst/>
   <a:extLst>
     <a:ext uri="{05A4C25C-085E-4340-85A3-A5531E510DB2}">
-      <thm15:themeFamily xmlns:thm15="http://schemas.microsoft.com/office/thememl/2012/main" name="Office Theme" id="{62F939B6-93AF-4DB8-9C6B-D6C7DFDC589F}" vid="{4A3C46E8-61CC-4603-A589-7422A47A8E4A}"/>
+      <thm15:themeFamily xmlns:thm15="http://schemas.microsoft.com/office/thememl/2012/main" xmlns="" name="Office Theme" id="{62F939B6-93AF-4DB8-9C6B-D6C7DFDC589F}" vid="{4A3C46E8-61CC-4603-A589-7422A47A8E4A}"/>
     </a:ext>
   </a:extLst>
 </a:theme>
